--- a/figures_tables/fig_1.pptx
+++ b/figures_tables/fig_1.pptx
@@ -107,12 +107,12 @@
   <p:extLst>
     <p:ext uri="{EFAFB233-063F-42B5-8137-9DF3F51BA10A}">
       <p15:sldGuideLst xmlns:p15="http://schemas.microsoft.com/office/powerpoint/2012/main">
-        <p15:guide id="1" orient="horz" pos="4088" userDrawn="1">
+        <p15:guide id="1" orient="horz" pos="391" userDrawn="1">
           <p15:clr>
             <a:srgbClr val="A4A3A4"/>
           </p15:clr>
         </p15:guide>
-        <p15:guide id="2" pos="5624" userDrawn="1">
+        <p15:guide id="2" pos="703" userDrawn="1">
           <p15:clr>
             <a:srgbClr val="A4A3A4"/>
           </p15:clr>
@@ -2793,10 +2793,10 @@
       </p:grpSpPr>
       <p:pic>
         <p:nvPicPr>
-          <p:cNvPr id="7" name="Image 6">
+          <p:cNvPr id="3" name="Image 2">
             <a:extLst>
               <a:ext uri="{FF2B5EF4-FFF2-40B4-BE49-F238E27FC236}">
-                <a16:creationId xmlns:a16="http://schemas.microsoft.com/office/drawing/2014/main" id="{B6663435-2B9F-2A48-B8EC-D6EAC8DAC548}"/>
+                <a16:creationId xmlns:a16="http://schemas.microsoft.com/office/drawing/2014/main" id="{A18B7041-6632-E543-9643-7B40A667183D}"/>
               </a:ext>
             </a:extLst>
           </p:cNvPr>
@@ -2813,8 +2813,8 @@
         </p:blipFill>
         <p:spPr>
           <a:xfrm>
-            <a:off x="620110" y="554898"/>
-            <a:ext cx="7903779" cy="5748203"/>
+            <a:off x="628004" y="559284"/>
+            <a:ext cx="7910100" cy="5752800"/>
           </a:xfrm>
           <a:prstGeom prst="rect">
             <a:avLst/>

--- a/figures_tables/fig_1.pptx
+++ b/figures_tables/fig_1.pptx
@@ -107,12 +107,12 @@
   <p:extLst>
     <p:ext uri="{EFAFB233-063F-42B5-8137-9DF3F51BA10A}">
       <p15:sldGuideLst xmlns:p15="http://schemas.microsoft.com/office/powerpoint/2012/main">
-        <p15:guide id="1" orient="horz" pos="391" userDrawn="1">
+        <p15:guide id="1" orient="horz" pos="73" userDrawn="1">
           <p15:clr>
             <a:srgbClr val="A4A3A4"/>
           </p15:clr>
         </p15:guide>
-        <p15:guide id="2" pos="703" userDrawn="1">
+        <p15:guide id="2" pos="90" userDrawn="1">
           <p15:clr>
             <a:srgbClr val="A4A3A4"/>
           </p15:clr>

--- a/figures_tables/fig_1.pptx
+++ b/figures_tables/fig_1.pptx
@@ -107,12 +107,12 @@
   <p:extLst>
     <p:ext uri="{EFAFB233-063F-42B5-8137-9DF3F51BA10A}">
       <p15:sldGuideLst xmlns:p15="http://schemas.microsoft.com/office/powerpoint/2012/main">
-        <p15:guide id="1" orient="horz" pos="73" userDrawn="1">
+        <p15:guide id="1" orient="horz" pos="51" userDrawn="1">
           <p15:clr>
             <a:srgbClr val="A4A3A4"/>
           </p15:clr>
         </p15:guide>
-        <p15:guide id="2" pos="90" userDrawn="1">
+        <p15:guide id="2" pos="5715" userDrawn="1">
           <p15:clr>
             <a:srgbClr val="A4A3A4"/>
           </p15:clr>
@@ -254,7 +254,7 @@
           <a:p>
             <a:fld id="{6FBFDFEB-4272-AB4B-BFC0-100C481A71E7}" type="datetimeFigureOut">
               <a:rPr lang="fr-FR" smtClean="0"/>
-              <a:t>05/05/2023</a:t>
+              <a:t>12/01/2024</a:t>
             </a:fld>
             <a:endParaRPr lang="fr-FR"/>
           </a:p>
@@ -400,7 +400,7 @@
           <a:p>
             <a:fld id="{6FBFDFEB-4272-AB4B-BFC0-100C481A71E7}" type="datetimeFigureOut">
               <a:rPr lang="fr-FR" smtClean="0"/>
-              <a:t>05/05/2023</a:t>
+              <a:t>12/01/2024</a:t>
             </a:fld>
             <a:endParaRPr lang="fr-FR"/>
           </a:p>
@@ -556,7 +556,7 @@
           <a:p>
             <a:fld id="{6FBFDFEB-4272-AB4B-BFC0-100C481A71E7}" type="datetimeFigureOut">
               <a:rPr lang="fr-FR" smtClean="0"/>
-              <a:t>05/05/2023</a:t>
+              <a:t>12/01/2024</a:t>
             </a:fld>
             <a:endParaRPr lang="fr-FR"/>
           </a:p>
@@ -702,7 +702,7 @@
           <a:p>
             <a:fld id="{6FBFDFEB-4272-AB4B-BFC0-100C481A71E7}" type="datetimeFigureOut">
               <a:rPr lang="fr-FR" smtClean="0"/>
-              <a:t>05/05/2023</a:t>
+              <a:t>12/01/2024</a:t>
             </a:fld>
             <a:endParaRPr lang="fr-FR"/>
           </a:p>
@@ -951,7 +951,7 @@
           <a:p>
             <a:fld id="{6FBFDFEB-4272-AB4B-BFC0-100C481A71E7}" type="datetimeFigureOut">
               <a:rPr lang="fr-FR" smtClean="0"/>
-              <a:t>05/05/2023</a:t>
+              <a:t>12/01/2024</a:t>
             </a:fld>
             <a:endParaRPr lang="fr-FR"/>
           </a:p>
@@ -1135,7 +1135,7 @@
           <a:p>
             <a:fld id="{6FBFDFEB-4272-AB4B-BFC0-100C481A71E7}" type="datetimeFigureOut">
               <a:rPr lang="fr-FR" smtClean="0"/>
-              <a:t>05/05/2023</a:t>
+              <a:t>12/01/2024</a:t>
             </a:fld>
             <a:endParaRPr lang="fr-FR"/>
           </a:p>
@@ -1464,7 +1464,7 @@
           <a:p>
             <a:fld id="{6FBFDFEB-4272-AB4B-BFC0-100C481A71E7}" type="datetimeFigureOut">
               <a:rPr lang="fr-FR" smtClean="0"/>
-              <a:t>05/05/2023</a:t>
+              <a:t>12/01/2024</a:t>
             </a:fld>
             <a:endParaRPr lang="fr-FR"/>
           </a:p>
@@ -1582,7 +1582,7 @@
           <a:p>
             <a:fld id="{6FBFDFEB-4272-AB4B-BFC0-100C481A71E7}" type="datetimeFigureOut">
               <a:rPr lang="fr-FR" smtClean="0"/>
-              <a:t>05/05/2023</a:t>
+              <a:t>12/01/2024</a:t>
             </a:fld>
             <a:endParaRPr lang="fr-FR"/>
           </a:p>
@@ -1677,7 +1677,7 @@
           <a:p>
             <a:fld id="{6FBFDFEB-4272-AB4B-BFC0-100C481A71E7}" type="datetimeFigureOut">
               <a:rPr lang="fr-FR" smtClean="0"/>
-              <a:t>05/05/2023</a:t>
+              <a:t>12/01/2024</a:t>
             </a:fld>
             <a:endParaRPr lang="fr-FR"/>
           </a:p>
@@ -1935,7 +1935,7 @@
           <a:p>
             <a:fld id="{6FBFDFEB-4272-AB4B-BFC0-100C481A71E7}" type="datetimeFigureOut">
               <a:rPr lang="fr-FR" smtClean="0"/>
-              <a:t>05/05/2023</a:t>
+              <a:t>12/01/2024</a:t>
             </a:fld>
             <a:endParaRPr lang="fr-FR"/>
           </a:p>
@@ -2197,7 +2197,7 @@
           <a:p>
             <a:fld id="{6FBFDFEB-4272-AB4B-BFC0-100C481A71E7}" type="datetimeFigureOut">
               <a:rPr lang="fr-FR" smtClean="0"/>
-              <a:t>05/05/2023</a:t>
+              <a:t>12/01/2024</a:t>
             </a:fld>
             <a:endParaRPr lang="fr-FR"/>
           </a:p>
@@ -2386,7 +2386,7 @@
           <a:p>
             <a:fld id="{6FBFDFEB-4272-AB4B-BFC0-100C481A71E7}" type="datetimeFigureOut">
               <a:rPr lang="fr-FR" smtClean="0"/>
-              <a:t>05/05/2023</a:t>
+              <a:t>12/01/2024</a:t>
             </a:fld>
             <a:endParaRPr lang="fr-FR"/>
           </a:p>
@@ -2793,10 +2793,10 @@
       </p:grpSpPr>
       <p:pic>
         <p:nvPicPr>
-          <p:cNvPr id="3" name="Image 2">
+          <p:cNvPr id="5" name="Image 4">
             <a:extLst>
               <a:ext uri="{FF2B5EF4-FFF2-40B4-BE49-F238E27FC236}">
-                <a16:creationId xmlns:a16="http://schemas.microsoft.com/office/drawing/2014/main" id="{A18B7041-6632-E543-9643-7B40A667183D}"/>
+                <a16:creationId xmlns:a16="http://schemas.microsoft.com/office/drawing/2014/main" id="{9D5F190E-FED3-CE49-A991-F1B756873AB6}"/>
               </a:ext>
             </a:extLst>
           </p:cNvPr>
@@ -2813,7 +2813,7 @@
         </p:blipFill>
         <p:spPr>
           <a:xfrm>
-            <a:off x="628004" y="559284"/>
+            <a:off x="619179" y="564335"/>
             <a:ext cx="7910100" cy="5752800"/>
           </a:xfrm>
           <a:prstGeom prst="rect">
@@ -2943,192 +2943,12 @@
         </p:nvGrpSpPr>
         <p:grpSpPr>
           <a:xfrm>
-            <a:off x="1352326" y="607448"/>
-            <a:ext cx="6441020" cy="1110756"/>
-            <a:chOff x="985570" y="641212"/>
-            <a:chExt cx="7575774" cy="1306446"/>
+            <a:off x="1352326" y="1379652"/>
+            <a:ext cx="6441020" cy="338554"/>
+            <a:chOff x="985570" y="1549459"/>
+            <a:chExt cx="7575774" cy="398199"/>
           </a:xfrm>
         </p:grpSpPr>
-        <p:pic>
-          <p:nvPicPr>
-            <p:cNvPr id="8" name="Image 7">
-              <a:extLst>
-                <a:ext uri="{FF2B5EF4-FFF2-40B4-BE49-F238E27FC236}">
-                  <a16:creationId xmlns:a16="http://schemas.microsoft.com/office/drawing/2014/main" id="{B673C30B-9747-6E4C-9659-D24B33EE0977}"/>
-                </a:ext>
-              </a:extLst>
-            </p:cNvPr>
-            <p:cNvPicPr>
-              <a:picLocks noChangeAspect="1"/>
-            </p:cNvPicPr>
-            <p:nvPr/>
-          </p:nvPicPr>
-          <p:blipFill>
-            <a:blip r:embed="rId3"/>
-            <a:stretch>
-              <a:fillRect/>
-            </a:stretch>
-          </p:blipFill>
-          <p:spPr>
-            <a:xfrm>
-              <a:off x="2319148" y="654238"/>
-              <a:ext cx="1080000" cy="1080000"/>
-            </a:xfrm>
-            <a:prstGeom prst="rect">
-              <a:avLst/>
-            </a:prstGeom>
-          </p:spPr>
-        </p:pic>
-        <p:pic>
-          <p:nvPicPr>
-            <p:cNvPr id="9" name="Image 8">
-              <a:extLst>
-                <a:ext uri="{FF2B5EF4-FFF2-40B4-BE49-F238E27FC236}">
-                  <a16:creationId xmlns:a16="http://schemas.microsoft.com/office/drawing/2014/main" id="{66A4C4A5-8FD3-C641-A2B5-D898E851283D}"/>
-                </a:ext>
-              </a:extLst>
-            </p:cNvPr>
-            <p:cNvPicPr>
-              <a:picLocks noChangeAspect="1"/>
-            </p:cNvPicPr>
-            <p:nvPr/>
-          </p:nvPicPr>
-          <p:blipFill>
-            <a:blip r:embed="rId4"/>
-            <a:stretch>
-              <a:fillRect/>
-            </a:stretch>
-          </p:blipFill>
-          <p:spPr>
-            <a:xfrm>
-              <a:off x="6143687" y="728990"/>
-              <a:ext cx="1008000" cy="1008000"/>
-            </a:xfrm>
-            <a:prstGeom prst="rect">
-              <a:avLst/>
-            </a:prstGeom>
-          </p:spPr>
-        </p:pic>
-        <p:pic>
-          <p:nvPicPr>
-            <p:cNvPr id="10" name="Image 9">
-              <a:extLst>
-                <a:ext uri="{FF2B5EF4-FFF2-40B4-BE49-F238E27FC236}">
-                  <a16:creationId xmlns:a16="http://schemas.microsoft.com/office/drawing/2014/main" id="{63981841-DEF4-844C-8632-1E8B83F1E761}"/>
-                </a:ext>
-              </a:extLst>
-            </p:cNvPr>
-            <p:cNvPicPr>
-              <a:picLocks noChangeAspect="1"/>
-            </p:cNvPicPr>
-            <p:nvPr/>
-          </p:nvPicPr>
-          <p:blipFill>
-            <a:blip r:embed="rId5"/>
-            <a:stretch>
-              <a:fillRect/>
-            </a:stretch>
-          </p:blipFill>
-          <p:spPr>
-            <a:xfrm>
-              <a:off x="7428577" y="641212"/>
-              <a:ext cx="1080000" cy="1080000"/>
-            </a:xfrm>
-            <a:prstGeom prst="rect">
-              <a:avLst/>
-            </a:prstGeom>
-          </p:spPr>
-        </p:pic>
-        <p:pic>
-          <p:nvPicPr>
-            <p:cNvPr id="11" name="Image 10">
-              <a:extLst>
-                <a:ext uri="{FF2B5EF4-FFF2-40B4-BE49-F238E27FC236}">
-                  <a16:creationId xmlns:a16="http://schemas.microsoft.com/office/drawing/2014/main" id="{5AF42D33-FBEA-864F-97D9-A342E8145B07}"/>
-                </a:ext>
-              </a:extLst>
-            </p:cNvPr>
-            <p:cNvPicPr>
-              <a:picLocks noChangeAspect="1"/>
-            </p:cNvPicPr>
-            <p:nvPr/>
-          </p:nvPicPr>
-          <p:blipFill>
-            <a:blip r:embed="rId6"/>
-            <a:stretch>
-              <a:fillRect/>
-            </a:stretch>
-          </p:blipFill>
-          <p:spPr>
-            <a:xfrm>
-              <a:off x="3574743" y="670953"/>
-              <a:ext cx="1008000" cy="1008000"/>
-            </a:xfrm>
-            <a:prstGeom prst="rect">
-              <a:avLst/>
-            </a:prstGeom>
-          </p:spPr>
-        </p:pic>
-        <p:pic>
-          <p:nvPicPr>
-            <p:cNvPr id="12" name="Image 11">
-              <a:extLst>
-                <a:ext uri="{FF2B5EF4-FFF2-40B4-BE49-F238E27FC236}">
-                  <a16:creationId xmlns:a16="http://schemas.microsoft.com/office/drawing/2014/main" id="{76EDE285-7A8D-CE49-9DE4-FF54F83E0F18}"/>
-                </a:ext>
-              </a:extLst>
-            </p:cNvPr>
-            <p:cNvPicPr>
-              <a:picLocks noChangeAspect="1"/>
-            </p:cNvPicPr>
-            <p:nvPr/>
-          </p:nvPicPr>
-          <p:blipFill>
-            <a:blip r:embed="rId7"/>
-            <a:stretch>
-              <a:fillRect/>
-            </a:stretch>
-          </p:blipFill>
-          <p:spPr>
-            <a:xfrm>
-              <a:off x="4859633" y="641212"/>
-              <a:ext cx="1080000" cy="1080000"/>
-            </a:xfrm>
-            <a:prstGeom prst="rect">
-              <a:avLst/>
-            </a:prstGeom>
-          </p:spPr>
-        </p:pic>
-        <p:pic>
-          <p:nvPicPr>
-            <p:cNvPr id="13" name="Image 12">
-              <a:extLst>
-                <a:ext uri="{FF2B5EF4-FFF2-40B4-BE49-F238E27FC236}">
-                  <a16:creationId xmlns:a16="http://schemas.microsoft.com/office/drawing/2014/main" id="{6FDDACAE-E5F3-C04C-96C2-48B7223C1107}"/>
-                </a:ext>
-              </a:extLst>
-            </p:cNvPr>
-            <p:cNvPicPr>
-              <a:picLocks noChangeAspect="1"/>
-            </p:cNvPicPr>
-            <p:nvPr/>
-          </p:nvPicPr>
-          <p:blipFill>
-            <a:blip r:embed="rId8"/>
-            <a:stretch>
-              <a:fillRect/>
-            </a:stretch>
-          </p:blipFill>
-          <p:spPr>
-            <a:xfrm>
-              <a:off x="1045772" y="666867"/>
-              <a:ext cx="1080000" cy="1080000"/>
-            </a:xfrm>
-            <a:prstGeom prst="rect">
-              <a:avLst/>
-            </a:prstGeom>
-          </p:spPr>
-        </p:pic>
         <p:sp>
           <p:nvSpPr>
             <p:cNvPr id="14" name="Rectangle 13">
@@ -3439,186 +3259,6 @@
           </p:txBody>
         </p:sp>
       </p:grpSp>
-      <p:pic>
-        <p:nvPicPr>
-          <p:cNvPr id="21" name="Image 20">
-            <a:extLst>
-              <a:ext uri="{FF2B5EF4-FFF2-40B4-BE49-F238E27FC236}">
-                <a16:creationId xmlns:a16="http://schemas.microsoft.com/office/drawing/2014/main" id="{FA6927DC-9144-3B43-8771-59417DA02FD9}"/>
-              </a:ext>
-            </a:extLst>
-          </p:cNvPr>
-          <p:cNvPicPr>
-            <a:picLocks noChangeAspect="1"/>
-          </p:cNvPicPr>
-          <p:nvPr/>
-        </p:nvPicPr>
-        <p:blipFill>
-          <a:blip r:embed="rId9"/>
-          <a:stretch>
-            <a:fillRect/>
-          </a:stretch>
-        </p:blipFill>
-        <p:spPr>
-          <a:xfrm>
-            <a:off x="3036895" y="2770245"/>
-            <a:ext cx="915852" cy="915852"/>
-          </a:xfrm>
-          <a:prstGeom prst="rect">
-            <a:avLst/>
-          </a:prstGeom>
-        </p:spPr>
-      </p:pic>
-      <p:pic>
-        <p:nvPicPr>
-          <p:cNvPr id="22" name="Image 21">
-            <a:extLst>
-              <a:ext uri="{FF2B5EF4-FFF2-40B4-BE49-F238E27FC236}">
-                <a16:creationId xmlns:a16="http://schemas.microsoft.com/office/drawing/2014/main" id="{35F702D5-1D43-404F-819D-2AD290CDC4AA}"/>
-              </a:ext>
-            </a:extLst>
-          </p:cNvPr>
-          <p:cNvPicPr>
-            <a:picLocks noChangeAspect="1"/>
-          </p:cNvPicPr>
-          <p:nvPr/>
-        </p:nvPicPr>
-        <p:blipFill>
-          <a:blip r:embed="rId10"/>
-          <a:stretch>
-            <a:fillRect/>
-          </a:stretch>
-        </p:blipFill>
-        <p:spPr>
-          <a:xfrm>
-            <a:off x="7395334" y="2770245"/>
-            <a:ext cx="915852" cy="915852"/>
-          </a:xfrm>
-          <a:prstGeom prst="rect">
-            <a:avLst/>
-          </a:prstGeom>
-        </p:spPr>
-      </p:pic>
-      <p:pic>
-        <p:nvPicPr>
-          <p:cNvPr id="23" name="Image 22">
-            <a:extLst>
-              <a:ext uri="{FF2B5EF4-FFF2-40B4-BE49-F238E27FC236}">
-                <a16:creationId xmlns:a16="http://schemas.microsoft.com/office/drawing/2014/main" id="{5D8A6FB0-E869-F44E-A0AC-1E55AD851AA2}"/>
-              </a:ext>
-            </a:extLst>
-          </p:cNvPr>
-          <p:cNvPicPr>
-            <a:picLocks noChangeAspect="1"/>
-          </p:cNvPicPr>
-          <p:nvPr/>
-        </p:nvPicPr>
-        <p:blipFill>
-          <a:blip r:embed="rId11"/>
-          <a:stretch>
-            <a:fillRect/>
-          </a:stretch>
-        </p:blipFill>
-        <p:spPr>
-          <a:xfrm>
-            <a:off x="4125128" y="2770245"/>
-            <a:ext cx="915852" cy="915852"/>
-          </a:xfrm>
-          <a:prstGeom prst="rect">
-            <a:avLst/>
-          </a:prstGeom>
-        </p:spPr>
-      </p:pic>
-      <p:pic>
-        <p:nvPicPr>
-          <p:cNvPr id="24" name="Image 23">
-            <a:extLst>
-              <a:ext uri="{FF2B5EF4-FFF2-40B4-BE49-F238E27FC236}">
-                <a16:creationId xmlns:a16="http://schemas.microsoft.com/office/drawing/2014/main" id="{D956CDFF-BA91-744E-82EE-BABEC8B00B52}"/>
-              </a:ext>
-            </a:extLst>
-          </p:cNvPr>
-          <p:cNvPicPr>
-            <a:picLocks noChangeAspect="1"/>
-          </p:cNvPicPr>
-          <p:nvPr/>
-        </p:nvPicPr>
-        <p:blipFill>
-          <a:blip r:embed="rId12"/>
-          <a:stretch>
-            <a:fillRect/>
-          </a:stretch>
-        </p:blipFill>
-        <p:spPr>
-          <a:xfrm>
-            <a:off x="1944256" y="2770245"/>
-            <a:ext cx="915852" cy="915852"/>
-          </a:xfrm>
-          <a:prstGeom prst="rect">
-            <a:avLst/>
-          </a:prstGeom>
-        </p:spPr>
-      </p:pic>
-      <p:pic>
-        <p:nvPicPr>
-          <p:cNvPr id="25" name="Image 24">
-            <a:extLst>
-              <a:ext uri="{FF2B5EF4-FFF2-40B4-BE49-F238E27FC236}">
-                <a16:creationId xmlns:a16="http://schemas.microsoft.com/office/drawing/2014/main" id="{ED72D8CC-8A76-6544-B013-DF2C42B05BEB}"/>
-              </a:ext>
-            </a:extLst>
-          </p:cNvPr>
-          <p:cNvPicPr>
-            <a:picLocks noChangeAspect="1"/>
-          </p:cNvPicPr>
-          <p:nvPr/>
-        </p:nvPicPr>
-        <p:blipFill>
-          <a:blip r:embed="rId13"/>
-          <a:stretch>
-            <a:fillRect/>
-          </a:stretch>
-        </p:blipFill>
-        <p:spPr>
-          <a:xfrm>
-            <a:off x="5217767" y="2770245"/>
-            <a:ext cx="915852" cy="915852"/>
-          </a:xfrm>
-          <a:prstGeom prst="rect">
-            <a:avLst/>
-          </a:prstGeom>
-        </p:spPr>
-      </p:pic>
-      <p:pic>
-        <p:nvPicPr>
-          <p:cNvPr id="26" name="Image 25">
-            <a:extLst>
-              <a:ext uri="{FF2B5EF4-FFF2-40B4-BE49-F238E27FC236}">
-                <a16:creationId xmlns:a16="http://schemas.microsoft.com/office/drawing/2014/main" id="{81C8E705-A4B2-B24E-87B4-7CD34482A1AD}"/>
-              </a:ext>
-            </a:extLst>
-          </p:cNvPr>
-          <p:cNvPicPr>
-            <a:picLocks noChangeAspect="1"/>
-          </p:cNvPicPr>
-          <p:nvPr/>
-        </p:nvPicPr>
-        <p:blipFill>
-          <a:blip r:embed="rId14"/>
-          <a:stretch>
-            <a:fillRect/>
-          </a:stretch>
-        </p:blipFill>
-        <p:spPr>
-          <a:xfrm>
-            <a:off x="6279092" y="2770245"/>
-            <a:ext cx="915852" cy="915852"/>
-          </a:xfrm>
-          <a:prstGeom prst="rect">
-            <a:avLst/>
-          </a:prstGeom>
-        </p:spPr>
-      </p:pic>
       <p:sp>
         <p:nvSpPr>
           <p:cNvPr id="27" name="Rectangle 26">
@@ -4030,6 +3670,366 @@
           </a:p>
         </p:txBody>
       </p:sp>
+      <p:pic>
+        <p:nvPicPr>
+          <p:cNvPr id="4" name="Image 3">
+            <a:extLst>
+              <a:ext uri="{FF2B5EF4-FFF2-40B4-BE49-F238E27FC236}">
+                <a16:creationId xmlns:a16="http://schemas.microsoft.com/office/drawing/2014/main" id="{FB6160ED-C57E-EF48-86FB-C5C8FE3141B5}"/>
+              </a:ext>
+            </a:extLst>
+          </p:cNvPr>
+          <p:cNvPicPr>
+            <a:picLocks noChangeAspect="1"/>
+          </p:cNvPicPr>
+          <p:nvPr/>
+        </p:nvPicPr>
+        <p:blipFill>
+          <a:blip r:embed="rId3"/>
+          <a:stretch>
+            <a:fillRect/>
+          </a:stretch>
+        </p:blipFill>
+        <p:spPr>
+          <a:xfrm>
+            <a:off x="1408207" y="639787"/>
+            <a:ext cx="918000" cy="918000"/>
+          </a:xfrm>
+          <a:prstGeom prst="rect">
+            <a:avLst/>
+          </a:prstGeom>
+        </p:spPr>
+      </p:pic>
+      <p:pic>
+        <p:nvPicPr>
+          <p:cNvPr id="7" name="Image 6">
+            <a:extLst>
+              <a:ext uri="{FF2B5EF4-FFF2-40B4-BE49-F238E27FC236}">
+                <a16:creationId xmlns:a16="http://schemas.microsoft.com/office/drawing/2014/main" id="{88B789AB-03D9-6C49-A789-4C142CAB7DD4}"/>
+              </a:ext>
+            </a:extLst>
+          </p:cNvPr>
+          <p:cNvPicPr>
+            <a:picLocks noChangeAspect="1"/>
+          </p:cNvPicPr>
+          <p:nvPr/>
+        </p:nvPicPr>
+        <p:blipFill>
+          <a:blip r:embed="rId4"/>
+          <a:stretch>
+            <a:fillRect/>
+          </a:stretch>
+        </p:blipFill>
+        <p:spPr>
+          <a:xfrm>
+            <a:off x="2501080" y="624253"/>
+            <a:ext cx="918000" cy="918000"/>
+          </a:xfrm>
+          <a:prstGeom prst="rect">
+            <a:avLst/>
+          </a:prstGeom>
+        </p:spPr>
+      </p:pic>
+      <p:pic>
+        <p:nvPicPr>
+          <p:cNvPr id="33" name="Image 32">
+            <a:extLst>
+              <a:ext uri="{FF2B5EF4-FFF2-40B4-BE49-F238E27FC236}">
+                <a16:creationId xmlns:a16="http://schemas.microsoft.com/office/drawing/2014/main" id="{D8DEE562-D200-6946-BF5A-063858D20ABD}"/>
+              </a:ext>
+            </a:extLst>
+          </p:cNvPr>
+          <p:cNvPicPr>
+            <a:picLocks noChangeAspect="1"/>
+          </p:cNvPicPr>
+          <p:nvPr/>
+        </p:nvPicPr>
+        <p:blipFill>
+          <a:blip r:embed="rId5"/>
+          <a:stretch>
+            <a:fillRect/>
+          </a:stretch>
+        </p:blipFill>
+        <p:spPr>
+          <a:xfrm>
+            <a:off x="3567741" y="660730"/>
+            <a:ext cx="856800" cy="856800"/>
+          </a:xfrm>
+          <a:prstGeom prst="rect">
+            <a:avLst/>
+          </a:prstGeom>
+        </p:spPr>
+      </p:pic>
+      <p:pic>
+        <p:nvPicPr>
+          <p:cNvPr id="40" name="Image 39">
+            <a:extLst>
+              <a:ext uri="{FF2B5EF4-FFF2-40B4-BE49-F238E27FC236}">
+                <a16:creationId xmlns:a16="http://schemas.microsoft.com/office/drawing/2014/main" id="{8D965B4F-DD64-1A4B-883D-B99C4E3A112D}"/>
+              </a:ext>
+            </a:extLst>
+          </p:cNvPr>
+          <p:cNvPicPr>
+            <a:picLocks noChangeAspect="1"/>
+          </p:cNvPicPr>
+          <p:nvPr/>
+        </p:nvPicPr>
+        <p:blipFill>
+          <a:blip r:embed="rId6"/>
+          <a:stretch>
+            <a:fillRect/>
+          </a:stretch>
+        </p:blipFill>
+        <p:spPr>
+          <a:xfrm>
+            <a:off x="4660160" y="627726"/>
+            <a:ext cx="918000" cy="918000"/>
+          </a:xfrm>
+          <a:prstGeom prst="rect">
+            <a:avLst/>
+          </a:prstGeom>
+        </p:spPr>
+      </p:pic>
+      <p:pic>
+        <p:nvPicPr>
+          <p:cNvPr id="42" name="Image 41">
+            <a:extLst>
+              <a:ext uri="{FF2B5EF4-FFF2-40B4-BE49-F238E27FC236}">
+                <a16:creationId xmlns:a16="http://schemas.microsoft.com/office/drawing/2014/main" id="{80D6A591-D5DB-2F4A-A3AF-98C641298EC0}"/>
+              </a:ext>
+            </a:extLst>
+          </p:cNvPr>
+          <p:cNvPicPr>
+            <a:picLocks noChangeAspect="1"/>
+          </p:cNvPicPr>
+          <p:nvPr/>
+        </p:nvPicPr>
+        <p:blipFill>
+          <a:blip r:embed="rId7"/>
+          <a:stretch>
+            <a:fillRect/>
+          </a:stretch>
+        </p:blipFill>
+        <p:spPr>
+          <a:xfrm>
+            <a:off x="5805854" y="653053"/>
+            <a:ext cx="860400" cy="860400"/>
+          </a:xfrm>
+          <a:prstGeom prst="rect">
+            <a:avLst/>
+          </a:prstGeom>
+        </p:spPr>
+      </p:pic>
+      <p:pic>
+        <p:nvPicPr>
+          <p:cNvPr id="44" name="Image 43">
+            <a:extLst>
+              <a:ext uri="{FF2B5EF4-FFF2-40B4-BE49-F238E27FC236}">
+                <a16:creationId xmlns:a16="http://schemas.microsoft.com/office/drawing/2014/main" id="{0778C998-C37B-4444-9091-E32DB66AB1BF}"/>
+              </a:ext>
+            </a:extLst>
+          </p:cNvPr>
+          <p:cNvPicPr>
+            <a:picLocks noChangeAspect="1"/>
+          </p:cNvPicPr>
+          <p:nvPr/>
+        </p:nvPicPr>
+        <p:blipFill>
+          <a:blip r:embed="rId8"/>
+          <a:stretch>
+            <a:fillRect/>
+          </a:stretch>
+        </p:blipFill>
+        <p:spPr>
+          <a:xfrm>
+            <a:off x="6821341" y="629862"/>
+            <a:ext cx="914400" cy="914400"/>
+          </a:xfrm>
+          <a:prstGeom prst="rect">
+            <a:avLst/>
+          </a:prstGeom>
+        </p:spPr>
+      </p:pic>
+      <p:pic>
+        <p:nvPicPr>
+          <p:cNvPr id="46" name="Image 45">
+            <a:extLst>
+              <a:ext uri="{FF2B5EF4-FFF2-40B4-BE49-F238E27FC236}">
+                <a16:creationId xmlns:a16="http://schemas.microsoft.com/office/drawing/2014/main" id="{DB7051CF-2696-CF44-A854-37E3015FBD58}"/>
+              </a:ext>
+            </a:extLst>
+          </p:cNvPr>
+          <p:cNvPicPr>
+            <a:picLocks noChangeAspect="1"/>
+          </p:cNvPicPr>
+          <p:nvPr/>
+        </p:nvPicPr>
+        <p:blipFill>
+          <a:blip r:embed="rId9"/>
+          <a:stretch>
+            <a:fillRect/>
+          </a:stretch>
+        </p:blipFill>
+        <p:spPr>
+          <a:xfrm>
+            <a:off x="7396855" y="2763641"/>
+            <a:ext cx="914400" cy="914400"/>
+          </a:xfrm>
+          <a:prstGeom prst="rect">
+            <a:avLst/>
+          </a:prstGeom>
+        </p:spPr>
+      </p:pic>
+      <p:pic>
+        <p:nvPicPr>
+          <p:cNvPr id="48" name="Image 47">
+            <a:extLst>
+              <a:ext uri="{FF2B5EF4-FFF2-40B4-BE49-F238E27FC236}">
+                <a16:creationId xmlns:a16="http://schemas.microsoft.com/office/drawing/2014/main" id="{7EDD8641-470C-D94F-A461-6DD80A69A167}"/>
+              </a:ext>
+            </a:extLst>
+          </p:cNvPr>
+          <p:cNvPicPr>
+            <a:picLocks noChangeAspect="1"/>
+          </p:cNvPicPr>
+          <p:nvPr/>
+        </p:nvPicPr>
+        <p:blipFill>
+          <a:blip r:embed="rId10"/>
+          <a:stretch>
+            <a:fillRect/>
+          </a:stretch>
+        </p:blipFill>
+        <p:spPr>
+          <a:xfrm>
+            <a:off x="6277512" y="2762492"/>
+            <a:ext cx="914400" cy="914400"/>
+          </a:xfrm>
+          <a:prstGeom prst="rect">
+            <a:avLst/>
+          </a:prstGeom>
+        </p:spPr>
+      </p:pic>
+      <p:pic>
+        <p:nvPicPr>
+          <p:cNvPr id="50" name="Image 49">
+            <a:extLst>
+              <a:ext uri="{FF2B5EF4-FFF2-40B4-BE49-F238E27FC236}">
+                <a16:creationId xmlns:a16="http://schemas.microsoft.com/office/drawing/2014/main" id="{6F18899B-ACBC-B44C-B8FC-72CCB4A85588}"/>
+              </a:ext>
+            </a:extLst>
+          </p:cNvPr>
+          <p:cNvPicPr>
+            <a:picLocks noChangeAspect="1"/>
+          </p:cNvPicPr>
+          <p:nvPr/>
+        </p:nvPicPr>
+        <p:blipFill>
+          <a:blip r:embed="rId11"/>
+          <a:stretch>
+            <a:fillRect/>
+          </a:stretch>
+        </p:blipFill>
+        <p:spPr>
+          <a:xfrm>
+            <a:off x="5197278" y="2754138"/>
+            <a:ext cx="914400" cy="914400"/>
+          </a:xfrm>
+          <a:prstGeom prst="rect">
+            <a:avLst/>
+          </a:prstGeom>
+        </p:spPr>
+      </p:pic>
+      <p:pic>
+        <p:nvPicPr>
+          <p:cNvPr id="52" name="Image 51">
+            <a:extLst>
+              <a:ext uri="{FF2B5EF4-FFF2-40B4-BE49-F238E27FC236}">
+                <a16:creationId xmlns:a16="http://schemas.microsoft.com/office/drawing/2014/main" id="{36E4BFDF-5042-1F45-A240-98FE67DBF4AA}"/>
+              </a:ext>
+            </a:extLst>
+          </p:cNvPr>
+          <p:cNvPicPr>
+            <a:picLocks noChangeAspect="1"/>
+          </p:cNvPicPr>
+          <p:nvPr/>
+        </p:nvPicPr>
+        <p:blipFill>
+          <a:blip r:embed="rId12"/>
+          <a:stretch>
+            <a:fillRect/>
+          </a:stretch>
+        </p:blipFill>
+        <p:spPr>
+          <a:xfrm>
+            <a:off x="4122742" y="2760449"/>
+            <a:ext cx="914400" cy="914400"/>
+          </a:xfrm>
+          <a:prstGeom prst="rect">
+            <a:avLst/>
+          </a:prstGeom>
+        </p:spPr>
+      </p:pic>
+      <p:pic>
+        <p:nvPicPr>
+          <p:cNvPr id="54" name="Image 53">
+            <a:extLst>
+              <a:ext uri="{FF2B5EF4-FFF2-40B4-BE49-F238E27FC236}">
+                <a16:creationId xmlns:a16="http://schemas.microsoft.com/office/drawing/2014/main" id="{1876548F-D263-FE40-8B6D-7673CAC0D702}"/>
+              </a:ext>
+            </a:extLst>
+          </p:cNvPr>
+          <p:cNvPicPr>
+            <a:picLocks noChangeAspect="1"/>
+          </p:cNvPicPr>
+          <p:nvPr/>
+        </p:nvPicPr>
+        <p:blipFill>
+          <a:blip r:embed="rId13"/>
+          <a:stretch>
+            <a:fillRect/>
+          </a:stretch>
+        </p:blipFill>
+        <p:spPr>
+          <a:xfrm>
+            <a:off x="3040168" y="2763641"/>
+            <a:ext cx="914400" cy="914400"/>
+          </a:xfrm>
+          <a:prstGeom prst="rect">
+            <a:avLst/>
+          </a:prstGeom>
+        </p:spPr>
+      </p:pic>
+      <p:pic>
+        <p:nvPicPr>
+          <p:cNvPr id="57" name="Image 56">
+            <a:extLst>
+              <a:ext uri="{FF2B5EF4-FFF2-40B4-BE49-F238E27FC236}">
+                <a16:creationId xmlns:a16="http://schemas.microsoft.com/office/drawing/2014/main" id="{A3462C26-D4B6-124D-B615-4383153D56C8}"/>
+              </a:ext>
+            </a:extLst>
+          </p:cNvPr>
+          <p:cNvPicPr>
+            <a:picLocks noChangeAspect="1"/>
+          </p:cNvPicPr>
+          <p:nvPr/>
+        </p:nvPicPr>
+        <p:blipFill>
+          <a:blip r:embed="rId14"/>
+          <a:stretch>
+            <a:fillRect/>
+          </a:stretch>
+        </p:blipFill>
+        <p:spPr>
+          <a:xfrm>
+            <a:off x="1956589" y="2761346"/>
+            <a:ext cx="914400" cy="914400"/>
+          </a:xfrm>
+          <a:prstGeom prst="rect">
+            <a:avLst/>
+          </a:prstGeom>
+        </p:spPr>
+      </p:pic>
     </p:spTree>
     <p:extLst>
       <p:ext uri="{BB962C8B-B14F-4D97-AF65-F5344CB8AC3E}">
